--- a/illustrations/agas_struct.pptx
+++ b/illustrations/agas_struct.pptx
@@ -243,7 +243,7 @@
           <a:p>
             <a:fld id="{8173885B-41C4-EF40-A00D-9EB844E8C110}" type="datetimeFigureOut">
               <a:rPr lang="en-US" smtClean="0"/>
-              <a:t>9/8/17</a:t>
+              <a:t>8/12/18</a:t>
             </a:fld>
             <a:endParaRPr lang="en-US"/>
           </a:p>
@@ -413,7 +413,7 @@
           <a:p>
             <a:fld id="{8173885B-41C4-EF40-A00D-9EB844E8C110}" type="datetimeFigureOut">
               <a:rPr lang="en-US" smtClean="0"/>
-              <a:t>9/8/17</a:t>
+              <a:t>8/12/18</a:t>
             </a:fld>
             <a:endParaRPr lang="en-US"/>
           </a:p>
@@ -593,7 +593,7 @@
           <a:p>
             <a:fld id="{8173885B-41C4-EF40-A00D-9EB844E8C110}" type="datetimeFigureOut">
               <a:rPr lang="en-US" smtClean="0"/>
-              <a:t>9/8/17</a:t>
+              <a:t>8/12/18</a:t>
             </a:fld>
             <a:endParaRPr lang="en-US"/>
           </a:p>
@@ -763,7 +763,7 @@
           <a:p>
             <a:fld id="{8173885B-41C4-EF40-A00D-9EB844E8C110}" type="datetimeFigureOut">
               <a:rPr lang="en-US" smtClean="0"/>
-              <a:t>9/8/17</a:t>
+              <a:t>8/12/18</a:t>
             </a:fld>
             <a:endParaRPr lang="en-US"/>
           </a:p>
@@ -1009,7 +1009,7 @@
           <a:p>
             <a:fld id="{8173885B-41C4-EF40-A00D-9EB844E8C110}" type="datetimeFigureOut">
               <a:rPr lang="en-US" smtClean="0"/>
-              <a:t>9/8/17</a:t>
+              <a:t>8/12/18</a:t>
             </a:fld>
             <a:endParaRPr lang="en-US"/>
           </a:p>
@@ -1241,7 +1241,7 @@
           <a:p>
             <a:fld id="{8173885B-41C4-EF40-A00D-9EB844E8C110}" type="datetimeFigureOut">
               <a:rPr lang="en-US" smtClean="0"/>
-              <a:t>9/8/17</a:t>
+              <a:t>8/12/18</a:t>
             </a:fld>
             <a:endParaRPr lang="en-US"/>
           </a:p>
@@ -1608,7 +1608,7 @@
           <a:p>
             <a:fld id="{8173885B-41C4-EF40-A00D-9EB844E8C110}" type="datetimeFigureOut">
               <a:rPr lang="en-US" smtClean="0"/>
-              <a:t>9/8/17</a:t>
+              <a:t>8/12/18</a:t>
             </a:fld>
             <a:endParaRPr lang="en-US"/>
           </a:p>
@@ -1726,7 +1726,7 @@
           <a:p>
             <a:fld id="{8173885B-41C4-EF40-A00D-9EB844E8C110}" type="datetimeFigureOut">
               <a:rPr lang="en-US" smtClean="0"/>
-              <a:t>9/8/17</a:t>
+              <a:t>8/12/18</a:t>
             </a:fld>
             <a:endParaRPr lang="en-US"/>
           </a:p>
@@ -1821,7 +1821,7 @@
           <a:p>
             <a:fld id="{8173885B-41C4-EF40-A00D-9EB844E8C110}" type="datetimeFigureOut">
               <a:rPr lang="en-US" smtClean="0"/>
-              <a:t>9/8/17</a:t>
+              <a:t>8/12/18</a:t>
             </a:fld>
             <a:endParaRPr lang="en-US"/>
           </a:p>
@@ -2098,7 +2098,7 @@
           <a:p>
             <a:fld id="{8173885B-41C4-EF40-A00D-9EB844E8C110}" type="datetimeFigureOut">
               <a:rPr lang="en-US" smtClean="0"/>
-              <a:t>9/8/17</a:t>
+              <a:t>8/12/18</a:t>
             </a:fld>
             <a:endParaRPr lang="en-US"/>
           </a:p>
@@ -2351,7 +2351,7 @@
           <a:p>
             <a:fld id="{8173885B-41C4-EF40-A00D-9EB844E8C110}" type="datetimeFigureOut">
               <a:rPr lang="en-US" smtClean="0"/>
-              <a:t>9/8/17</a:t>
+              <a:t>8/12/18</a:t>
             </a:fld>
             <a:endParaRPr lang="en-US"/>
           </a:p>
@@ -2564,7 +2564,7 @@
           <a:p>
             <a:fld id="{8173885B-41C4-EF40-A00D-9EB844E8C110}" type="datetimeFigureOut">
               <a:rPr lang="en-US" smtClean="0"/>
-              <a:t>9/8/17</a:t>
+              <a:t>8/12/18</a:t>
             </a:fld>
             <a:endParaRPr lang="en-US"/>
           </a:p>
@@ -2977,7 +2977,7 @@
         </p:nvSpPr>
         <p:spPr>
           <a:xfrm>
-            <a:off x="2139043" y="1954964"/>
+            <a:off x="2146624" y="3038698"/>
             <a:ext cx="1382486" cy="1899244"/>
           </a:xfrm>
           <a:prstGeom prst="rect">
@@ -3027,7 +3027,7 @@
         </p:nvSpPr>
         <p:spPr>
           <a:xfrm>
-            <a:off x="3880757" y="1954964"/>
+            <a:off x="3888338" y="3038698"/>
             <a:ext cx="1382486" cy="1899244"/>
           </a:xfrm>
           <a:prstGeom prst="rect">
@@ -3077,7 +3077,7 @@
         </p:nvSpPr>
         <p:spPr>
           <a:xfrm>
-            <a:off x="5622471" y="1954964"/>
+            <a:off x="5630052" y="3038698"/>
             <a:ext cx="1382486" cy="1899244"/>
           </a:xfrm>
           <a:prstGeom prst="rect">
@@ -3127,7 +3127,7 @@
         </p:nvSpPr>
         <p:spPr>
           <a:xfrm>
-            <a:off x="8681357" y="1954964"/>
+            <a:off x="8688938" y="3038698"/>
             <a:ext cx="1382486" cy="1899244"/>
           </a:xfrm>
           <a:prstGeom prst="rect">
@@ -3177,7 +3177,7 @@
         </p:nvSpPr>
         <p:spPr>
           <a:xfrm rot="10800000" flipV="1">
-            <a:off x="2139043" y="4111939"/>
+            <a:off x="2146991" y="2149662"/>
             <a:ext cx="7924800" cy="381002"/>
           </a:xfrm>
           <a:prstGeom prst="rect">
@@ -3229,14 +3229,14 @@
       </p:sp>
       <p:sp>
         <p:nvSpPr>
-          <p:cNvPr id="27" name="Rectangle 26"/>
+          <p:cNvPr id="28" name="Rectangle 27"/>
           <p:cNvSpPr/>
           <p:nvPr/>
         </p:nvSpPr>
         <p:spPr>
-          <a:xfrm rot="10800000" flipV="1">
-            <a:off x="2139043" y="4622490"/>
-            <a:ext cx="7924800" cy="381002"/>
+          <a:xfrm>
+            <a:off x="2139043" y="5133041"/>
+            <a:ext cx="1382486" cy="417791"/>
           </a:xfrm>
           <a:prstGeom prst="rect">
             <a:avLst/>
@@ -3275,7 +3275,7 @@
                   <a:schemeClr val="tx1"/>
                 </a:solidFill>
               </a:rPr>
-              <a:t>AGAS</a:t>
+              <a:t>Processors</a:t>
             </a:r>
             <a:endParaRPr lang="en-US" dirty="0">
               <a:solidFill>
@@ -3287,13 +3287,13 @@
       </p:sp>
       <p:sp>
         <p:nvSpPr>
-          <p:cNvPr id="28" name="Rectangle 27"/>
+          <p:cNvPr id="29" name="Rectangle 28"/>
           <p:cNvSpPr/>
           <p:nvPr/>
         </p:nvSpPr>
         <p:spPr>
           <a:xfrm>
-            <a:off x="2139043" y="5133041"/>
+            <a:off x="3880757" y="5133041"/>
             <a:ext cx="1382486" cy="417791"/>
           </a:xfrm>
           <a:prstGeom prst="rect">
@@ -3345,13 +3345,13 @@
       </p:sp>
       <p:sp>
         <p:nvSpPr>
-          <p:cNvPr id="29" name="Rectangle 28"/>
+          <p:cNvPr id="30" name="Rectangle 29"/>
           <p:cNvSpPr/>
           <p:nvPr/>
         </p:nvSpPr>
         <p:spPr>
           <a:xfrm>
-            <a:off x="3880757" y="5133041"/>
+            <a:off x="5622471" y="5133041"/>
             <a:ext cx="1382486" cy="417791"/>
           </a:xfrm>
           <a:prstGeom prst="rect">
@@ -3403,13 +3403,13 @@
       </p:sp>
       <p:sp>
         <p:nvSpPr>
-          <p:cNvPr id="30" name="Rectangle 29"/>
+          <p:cNvPr id="31" name="Rectangle 30"/>
           <p:cNvSpPr/>
           <p:nvPr/>
         </p:nvSpPr>
         <p:spPr>
           <a:xfrm>
-            <a:off x="5622471" y="5133041"/>
+            <a:off x="8681357" y="5133041"/>
             <a:ext cx="1382486" cy="417791"/>
           </a:xfrm>
           <a:prstGeom prst="rect">
@@ -3461,71 +3461,13 @@
       </p:sp>
       <p:sp>
         <p:nvSpPr>
-          <p:cNvPr id="31" name="Rectangle 30"/>
-          <p:cNvSpPr/>
-          <p:nvPr/>
-        </p:nvSpPr>
-        <p:spPr>
-          <a:xfrm>
-            <a:off x="8681357" y="5133041"/>
-            <a:ext cx="1382486" cy="417791"/>
-          </a:xfrm>
-          <a:prstGeom prst="rect">
-            <a:avLst/>
-          </a:prstGeom>
-          <a:noFill/>
-          <a:ln>
-            <a:solidFill>
-              <a:schemeClr val="tx1"/>
-            </a:solidFill>
-          </a:ln>
-        </p:spPr>
-        <p:style>
-          <a:lnRef idx="2">
-            <a:schemeClr val="accent1">
-              <a:shade val="50000"/>
-            </a:schemeClr>
-          </a:lnRef>
-          <a:fillRef idx="1">
-            <a:schemeClr val="accent1"/>
-          </a:fillRef>
-          <a:effectRef idx="0">
-            <a:schemeClr val="accent1"/>
-          </a:effectRef>
-          <a:fontRef idx="minor">
-            <a:schemeClr val="lt1"/>
-          </a:fontRef>
-        </p:style>
-        <p:txBody>
-          <a:bodyPr rtlCol="0" anchor="ctr"/>
-          <a:lstStyle/>
-          <a:p>
-            <a:pPr algn="ctr"/>
-            <a:r>
-              <a:rPr lang="en-US" dirty="0" smtClean="0">
-                <a:solidFill>
-                  <a:schemeClr val="tx1"/>
-                </a:solidFill>
-              </a:rPr>
-              <a:t>Processors</a:t>
-            </a:r>
-            <a:endParaRPr lang="en-US" dirty="0">
-              <a:solidFill>
-                <a:schemeClr val="tx1"/>
-              </a:solidFill>
-            </a:endParaRPr>
-          </a:p>
-        </p:txBody>
-      </p:sp>
-      <p:sp>
-        <p:nvSpPr>
           <p:cNvPr id="32" name="TextBox 31"/>
           <p:cNvSpPr txBox="1"/>
           <p:nvPr/>
         </p:nvSpPr>
         <p:spPr>
           <a:xfrm>
-            <a:off x="2296453" y="1497563"/>
+            <a:off x="2304034" y="2581297"/>
             <a:ext cx="1067665" cy="369332"/>
           </a:xfrm>
           <a:prstGeom prst="rect">
@@ -3557,7 +3499,7 @@
         </p:nvSpPr>
         <p:spPr>
           <a:xfrm>
-            <a:off x="4038167" y="1497563"/>
+            <a:off x="4045748" y="2581297"/>
             <a:ext cx="1067665" cy="369332"/>
           </a:xfrm>
           <a:prstGeom prst="rect">
@@ -3589,7 +3531,7 @@
         </p:nvSpPr>
         <p:spPr>
           <a:xfrm>
-            <a:off x="5779881" y="1497563"/>
+            <a:off x="5787462" y="2581297"/>
             <a:ext cx="1067665" cy="369332"/>
           </a:xfrm>
           <a:prstGeom prst="rect">
@@ -3613,8 +3555,8 @@
           </a:p>
         </p:txBody>
       </p:sp>
-      <mc:AlternateContent xmlns:mc="http://schemas.openxmlformats.org/markup-compatibility/2006" xmlns:a14="http://schemas.microsoft.com/office/drawing/2010/main">
-        <mc:Choice Requires="a14">
+      <mc:AlternateContent xmlns:mc="http://schemas.openxmlformats.org/markup-compatibility/2006">
+        <mc:Choice xmlns:a14="http://schemas.microsoft.com/office/drawing/2010/main" Requires="a14">
           <p:sp>
             <p:nvSpPr>
               <p:cNvPr id="35" name="TextBox 34"/>
@@ -3623,7 +3565,7 @@
             </p:nvSpPr>
             <p:spPr>
               <a:xfrm>
-                <a:off x="8626786" y="1497563"/>
+                <a:off x="8634367" y="2581297"/>
                 <a:ext cx="1491627" cy="369332"/>
               </a:xfrm>
               <a:prstGeom prst="rect">
@@ -3673,7 +3615,7 @@
             </p:txBody>
           </p:sp>
         </mc:Choice>
-        <mc:Fallback xmlns="">
+        <mc:Fallback>
           <p:sp>
             <p:nvSpPr>
               <p:cNvPr id="35" name="TextBox 34"/>
@@ -3684,7 +3626,7 @@
             </p:nvSpPr>
             <p:spPr>
               <a:xfrm>
-                <a:off x="8626786" y="1497563"/>
+                <a:off x="8634367" y="2581297"/>
                 <a:ext cx="1491627" cy="369332"/>
               </a:xfrm>
               <a:prstGeom prst="rect">
@@ -3693,7 +3635,7 @@
               <a:blipFill rotWithShape="0">
                 <a:blip r:embed="rId2"/>
                 <a:stretch>
-                  <a:fillRect l="-3265" t="-10000" b="-26667"/>
+                  <a:fillRect l="-3265" t="-8197" b="-24590"/>
                 </a:stretch>
               </a:blipFill>
               <a:ln>
@@ -3723,7 +3665,7 @@
         </p:nvSpPr>
         <p:spPr>
           <a:xfrm>
-            <a:off x="7556059" y="2341300"/>
+            <a:off x="7563640" y="3425034"/>
             <a:ext cx="574196" cy="769441"/>
           </a:xfrm>
           <a:prstGeom prst="rect">
@@ -3756,7 +3698,7 @@
         </p:nvSpPr>
         <p:spPr>
           <a:xfrm>
-            <a:off x="1622404" y="1824291"/>
+            <a:off x="1629985" y="2908025"/>
             <a:ext cx="8942182" cy="953743"/>
           </a:xfrm>
           <a:prstGeom prst="rect">
@@ -3802,7 +3744,7 @@
         </p:nvSpPr>
         <p:spPr>
           <a:xfrm>
-            <a:off x="580788" y="1837996"/>
+            <a:off x="588369" y="2921730"/>
             <a:ext cx="933461" cy="923330"/>
           </a:xfrm>
           <a:prstGeom prst="rect">
@@ -3844,71 +3786,13 @@
       </p:sp>
       <p:sp>
         <p:nvSpPr>
-          <p:cNvPr id="39" name="Rectangle 38"/>
-          <p:cNvSpPr/>
-          <p:nvPr/>
-        </p:nvSpPr>
-        <p:spPr>
-          <a:xfrm rot="10800000" flipV="1">
-            <a:off x="10755517" y="1500730"/>
-            <a:ext cx="598283" cy="4050102"/>
-          </a:xfrm>
-          <a:prstGeom prst="rect">
-            <a:avLst/>
-          </a:prstGeom>
-          <a:noFill/>
-          <a:ln>
-            <a:solidFill>
-              <a:schemeClr val="tx1"/>
-            </a:solidFill>
-          </a:ln>
-        </p:spPr>
-        <p:style>
-          <a:lnRef idx="2">
-            <a:schemeClr val="accent1">
-              <a:shade val="50000"/>
-            </a:schemeClr>
-          </a:lnRef>
-          <a:fillRef idx="1">
-            <a:schemeClr val="accent1"/>
-          </a:fillRef>
-          <a:effectRef idx="0">
-            <a:schemeClr val="accent1"/>
-          </a:effectRef>
-          <a:fontRef idx="minor">
-            <a:schemeClr val="lt1"/>
-          </a:fontRef>
-        </p:style>
-        <p:txBody>
-          <a:bodyPr vert="vert" rtlCol="0" anchor="ctr"/>
-          <a:lstStyle/>
-          <a:p>
-            <a:pPr algn="ctr"/>
-            <a:r>
-              <a:rPr lang="en-US" smtClean="0">
-                <a:solidFill>
-                  <a:schemeClr val="tx1"/>
-                </a:solidFill>
-              </a:rPr>
-              <a:t>Performance Counters</a:t>
-            </a:r>
-            <a:endParaRPr lang="en-US" dirty="0">
-              <a:solidFill>
-                <a:schemeClr val="tx1"/>
-              </a:solidFill>
-            </a:endParaRPr>
-          </a:p>
-        </p:txBody>
-      </p:sp>
-      <p:sp>
-        <p:nvSpPr>
           <p:cNvPr id="40" name="5-Point Star 39"/>
           <p:cNvSpPr/>
           <p:nvPr/>
         </p:nvSpPr>
         <p:spPr>
           <a:xfrm>
-            <a:off x="2279615" y="2968177"/>
+            <a:off x="2287196" y="4051911"/>
             <a:ext cx="200298" cy="200298"/>
           </a:xfrm>
           <a:prstGeom prst="star5">
@@ -3958,7 +3842,7 @@
         </p:nvSpPr>
         <p:spPr>
           <a:xfrm>
-            <a:off x="2279615" y="2057038"/>
+            <a:off x="2287196" y="3140772"/>
             <a:ext cx="200298" cy="200298"/>
           </a:xfrm>
           <a:prstGeom prst="star5">
@@ -4006,7 +3890,7 @@
         </p:nvSpPr>
         <p:spPr>
           <a:xfrm>
-            <a:off x="2783952" y="3052720"/>
+            <a:off x="2791533" y="4136454"/>
             <a:ext cx="200298" cy="200298"/>
           </a:xfrm>
           <a:prstGeom prst="star5">
@@ -4056,7 +3940,7 @@
         </p:nvSpPr>
         <p:spPr>
           <a:xfrm>
-            <a:off x="4490121" y="2090710"/>
+            <a:off x="4497702" y="3174444"/>
             <a:ext cx="200298" cy="200298"/>
           </a:xfrm>
           <a:prstGeom prst="star5">
@@ -4104,7 +3988,7 @@
         </p:nvSpPr>
         <p:spPr>
           <a:xfrm>
-            <a:off x="3071438" y="3138340"/>
+            <a:off x="3079019" y="4222074"/>
             <a:ext cx="200298" cy="200298"/>
           </a:xfrm>
           <a:prstGeom prst="star5">
@@ -4154,7 +4038,7 @@
         </p:nvSpPr>
         <p:spPr>
           <a:xfrm>
-            <a:off x="4935626" y="2433698"/>
+            <a:off x="4943207" y="3517432"/>
             <a:ext cx="200298" cy="200298"/>
           </a:xfrm>
           <a:prstGeom prst="star5">
@@ -4202,7 +4086,7 @@
         </p:nvSpPr>
         <p:spPr>
           <a:xfrm>
-            <a:off x="2942408" y="3383691"/>
+            <a:off x="2949989" y="4467425"/>
             <a:ext cx="200298" cy="200298"/>
           </a:xfrm>
           <a:prstGeom prst="star5">
@@ -4252,7 +4136,7 @@
         </p:nvSpPr>
         <p:spPr>
           <a:xfrm>
-            <a:off x="4555714" y="2517587"/>
+            <a:off x="4563295" y="3601321"/>
             <a:ext cx="200298" cy="200298"/>
           </a:xfrm>
           <a:prstGeom prst="star5">
@@ -4300,7 +4184,7 @@
         </p:nvSpPr>
         <p:spPr>
           <a:xfrm>
-            <a:off x="4993751" y="3583989"/>
+            <a:off x="5001332" y="4667723"/>
             <a:ext cx="200298" cy="200298"/>
           </a:xfrm>
           <a:prstGeom prst="star5">
@@ -4350,7 +4234,7 @@
         </p:nvSpPr>
         <p:spPr>
           <a:xfrm>
-            <a:off x="5726782" y="2342445"/>
+            <a:off x="5734363" y="3426179"/>
             <a:ext cx="200298" cy="200298"/>
           </a:xfrm>
           <a:prstGeom prst="star5">
@@ -4398,7 +4282,7 @@
         </p:nvSpPr>
         <p:spPr>
           <a:xfrm>
-            <a:off x="6184699" y="2357824"/>
+            <a:off x="6192280" y="3441558"/>
             <a:ext cx="200298" cy="200298"/>
           </a:xfrm>
           <a:prstGeom prst="star5">
@@ -4446,7 +4330,7 @@
         </p:nvSpPr>
         <p:spPr>
           <a:xfrm>
-            <a:off x="6505630" y="3454977"/>
+            <a:off x="6513211" y="4538711"/>
             <a:ext cx="200298" cy="200298"/>
           </a:xfrm>
           <a:prstGeom prst="star5">
@@ -4499,7 +4383,7 @@
         </p:nvCxnSpPr>
         <p:spPr>
           <a:xfrm rot="16200000" flipV="1">
-            <a:off x="1993396" y="2581808"/>
+            <a:off x="2000977" y="3665542"/>
             <a:ext cx="710842" cy="61895"/>
           </a:xfrm>
           <a:prstGeom prst="curvedConnector3">
@@ -4540,7 +4424,7 @@
         </p:nvCxnSpPr>
         <p:spPr>
           <a:xfrm rot="5400000" flipH="1" flipV="1">
-            <a:off x="3244360" y="1806959"/>
+            <a:off x="3251941" y="2890693"/>
             <a:ext cx="885503" cy="1606020"/>
           </a:xfrm>
           <a:prstGeom prst="curvedConnector2">
@@ -4579,7 +4463,7 @@
         </p:nvCxnSpPr>
         <p:spPr>
           <a:xfrm flipV="1">
-            <a:off x="3271736" y="2717884"/>
+            <a:off x="3279317" y="3801618"/>
             <a:ext cx="1322232" cy="496963"/>
           </a:xfrm>
           <a:prstGeom prst="curvedConnector2">
@@ -4617,7 +4501,7 @@
         </p:nvCxnSpPr>
         <p:spPr>
           <a:xfrm flipV="1">
-            <a:off x="3142706" y="2642842"/>
+            <a:off x="3150287" y="3726576"/>
             <a:ext cx="1972534" cy="817356"/>
           </a:xfrm>
           <a:prstGeom prst="curvedConnector3">
@@ -4658,7 +4542,7 @@
         </p:nvCxnSpPr>
         <p:spPr>
           <a:xfrm rot="5400000" flipH="1" flipV="1">
-            <a:off x="4908845" y="2727798"/>
+            <a:off x="4916426" y="3811532"/>
             <a:ext cx="1041247" cy="671136"/>
           </a:xfrm>
           <a:prstGeom prst="curvedConnector3">
@@ -4697,7 +4581,7 @@
         </p:nvCxnSpPr>
         <p:spPr>
           <a:xfrm rot="16200000" flipV="1">
-            <a:off x="6027833" y="2877031"/>
+            <a:off x="6035414" y="3960765"/>
             <a:ext cx="896856" cy="259036"/>
           </a:xfrm>
           <a:prstGeom prst="curvedConnector3">
@@ -4733,7 +4617,7 @@
         </p:nvSpPr>
         <p:spPr>
           <a:xfrm>
-            <a:off x="9677640" y="2353630"/>
+            <a:off x="9685221" y="3437364"/>
             <a:ext cx="200298" cy="200298"/>
           </a:xfrm>
           <a:prstGeom prst="star5">
@@ -4781,7 +4665,7 @@
         </p:nvSpPr>
         <p:spPr>
           <a:xfrm>
-            <a:off x="9577491" y="3454977"/>
+            <a:off x="9585072" y="4538711"/>
             <a:ext cx="200298" cy="200298"/>
           </a:xfrm>
           <a:prstGeom prst="star5">
@@ -4831,7 +4715,7 @@
         </p:nvCxnSpPr>
         <p:spPr>
           <a:xfrm rot="5400000" flipH="1" flipV="1">
-            <a:off x="9308137" y="2923430"/>
+            <a:off x="9315718" y="4007164"/>
             <a:ext cx="901050" cy="162044"/>
           </a:xfrm>
           <a:prstGeom prst="curvedConnector3">
@@ -4867,7 +4751,7 @@
         </p:nvSpPr>
         <p:spPr>
           <a:xfrm>
-            <a:off x="6705883" y="2045426"/>
+            <a:off x="6713464" y="3129160"/>
             <a:ext cx="200298" cy="200298"/>
           </a:xfrm>
           <a:prstGeom prst="star5">
@@ -4915,7 +4799,7 @@
         </p:nvSpPr>
         <p:spPr>
           <a:xfrm>
-            <a:off x="8951419" y="3396343"/>
+            <a:off x="8959000" y="4480077"/>
             <a:ext cx="200298" cy="200298"/>
           </a:xfrm>
           <a:prstGeom prst="star5">
@@ -4968,7 +4852,7 @@
         </p:nvCxnSpPr>
         <p:spPr>
           <a:xfrm rot="10800000">
-            <a:off x="6867927" y="2245724"/>
+            <a:off x="6875508" y="3329458"/>
             <a:ext cx="2083492" cy="1227127"/>
           </a:xfrm>
           <a:prstGeom prst="curvedConnector2">
@@ -5004,7 +4888,7 @@
         </p:nvSpPr>
         <p:spPr>
           <a:xfrm>
-            <a:off x="3956016" y="2795084"/>
+            <a:off x="3963597" y="3878818"/>
             <a:ext cx="200298" cy="200298"/>
           </a:xfrm>
           <a:prstGeom prst="star5">
@@ -5057,7 +4941,7 @@
         </p:nvCxnSpPr>
         <p:spPr>
           <a:xfrm rot="5400000" flipH="1" flipV="1">
-            <a:off x="4040232" y="2306941"/>
+            <a:off x="4047813" y="3390675"/>
             <a:ext cx="504077" cy="472210"/>
           </a:xfrm>
           <a:prstGeom prst="curvedConnector3">
